--- a/Design and Implement Cloud Services/Design and Implement Cloud Services.pptx
+++ b/Design and Implement Cloud Services/Design and Implement Cloud Services.pptx
@@ -5,11 +5,12 @@
     <p:sldMasterId id="2147483659" r:id="rId1"/>
   </p:sldMasterIdLst>
   <p:notesMasterIdLst>
-    <p:notesMasterId r:id="rId4"/>
+    <p:notesMasterId r:id="rId5"/>
   </p:notesMasterIdLst>
   <p:sldIdLst>
     <p:sldId id="256" r:id="rId2"/>
     <p:sldId id="257" r:id="rId3"/>
+    <p:sldId id="258" r:id="rId4"/>
   </p:sldIdLst>
   <p:sldSz cx="12192000" cy="6858000"/>
   <p:notesSz cx="6858000" cy="9144000"/>
@@ -115,6 +116,7 @@
           <p14:sldIdLst>
             <p14:sldId id="256"/>
             <p14:sldId id="257"/>
+            <p14:sldId id="258"/>
           </p14:sldIdLst>
         </p14:section>
       </p14:sectionLst>
@@ -208,7 +210,7 @@
           <a:p>
             <a:fld id="{32AF8DFE-3F9E-4E76-8DEB-FC1A7CECE63A}" type="datetimeFigureOut">
               <a:rPr lang="en-US" smtClean="0"/>
-              <a:t>9/25/2016</a:t>
+              <a:t>10/14/2016</a:t>
             </a:fld>
             <a:endParaRPr lang="en-US"/>
           </a:p>
@@ -5017,6 +5019,78 @@
     <p:extLst>
       <p:ext uri="{BB962C8B-B14F-4D97-AF65-F5344CB8AC3E}">
         <p14:creationId xmlns:p14="http://schemas.microsoft.com/office/powerpoint/2010/main" val="352652952"/>
+      </p:ext>
+    </p:extLst>
+  </p:cSld>
+  <p:clrMapOvr>
+    <a:masterClrMapping/>
+  </p:clrMapOvr>
+</p:sld>
+</file>
+
+<file path=ppt/slides/slide3.xml><?xml version="1.0" encoding="utf-8"?>
+<p:sld xmlns:a="http://schemas.openxmlformats.org/drawingml/2006/main" xmlns:r="http://schemas.openxmlformats.org/officeDocument/2006/relationships" xmlns:p="http://schemas.openxmlformats.org/presentationml/2006/main">
+  <p:cSld>
+    <p:spTree>
+      <p:nvGrpSpPr>
+        <p:cNvPr id="1" name=""/>
+        <p:cNvGrpSpPr/>
+        <p:nvPr/>
+      </p:nvGrpSpPr>
+      <p:grpSpPr>
+        <a:xfrm>
+          <a:off x="0" y="0"/>
+          <a:ext cx="0" cy="0"/>
+          <a:chOff x="0" y="0"/>
+          <a:chExt cx="0" cy="0"/>
+        </a:xfrm>
+      </p:grpSpPr>
+      <p:sp>
+        <p:nvSpPr>
+          <p:cNvPr id="4" name="Title 3"/>
+          <p:cNvSpPr>
+            <a:spLocks noGrp="1"/>
+          </p:cNvSpPr>
+          <p:nvPr>
+            <p:ph type="title"/>
+          </p:nvPr>
+        </p:nvSpPr>
+        <p:spPr/>
+        <p:txBody>
+          <a:bodyPr/>
+          <a:lstStyle/>
+          <a:p>
+            <a:r>
+              <a:rPr lang="en-US"/>
+              <a:t>Agenda</a:t>
+            </a:r>
+            <a:endParaRPr lang="en-US"/>
+          </a:p>
+        </p:txBody>
+      </p:sp>
+      <p:sp>
+        <p:nvSpPr>
+          <p:cNvPr id="5" name="Content Placeholder 4"/>
+          <p:cNvSpPr>
+            <a:spLocks noGrp="1"/>
+          </p:cNvSpPr>
+          <p:nvPr>
+            <p:ph sz="quarter" idx="10"/>
+          </p:nvPr>
+        </p:nvSpPr>
+        <p:spPr/>
+        <p:txBody>
+          <a:bodyPr/>
+          <a:lstStyle/>
+          <a:p>
+            <a:endParaRPr lang="en-US"/>
+          </a:p>
+        </p:txBody>
+      </p:sp>
+    </p:spTree>
+    <p:extLst>
+      <p:ext uri="{BB962C8B-B14F-4D97-AF65-F5344CB8AC3E}">
+        <p14:creationId xmlns:p14="http://schemas.microsoft.com/office/powerpoint/2010/main" val="2082496241"/>
       </p:ext>
     </p:extLst>
   </p:cSld>
